--- a/랩미팅/201909/190923 (Jong).pptx
+++ b/랩미팅/201909/190923 (Jong).pptx
@@ -3604,7 +3604,7 @@
         <p:spPr>
           <a:xfrm>
             <a:off x="4845819" y="935183"/>
-            <a:ext cx="3761471" cy="880369"/>
+            <a:ext cx="3761471" cy="464871"/>
           </a:xfrm>
           <a:prstGeom prst="rect">
             <a:avLst/>
@@ -3626,20 +3626,11 @@
             </a:pPr>
             <a:r>
               <a:rPr lang="en-US" altLang="ko-KR" dirty="0" smtClean="0"/>
-              <a:t>1x2 splitter (TE)</a:t>
-            </a:r>
-          </a:p>
-          <a:p>
-            <a:pPr marL="285750" indent="-285750">
-              <a:lnSpc>
-                <a:spcPct val="150000"/>
-              </a:lnSpc>
-              <a:buFontTx/>
-              <a:buChar char="-"/>
-            </a:pPr>
+              <a:t>Manuscript </a:t>
+            </a:r>
             <a:r>
               <a:rPr lang="en-US" altLang="ko-KR" dirty="0" smtClean="0"/>
-              <a:t>Manuscript preparation</a:t>
+              <a:t>preparation</a:t>
             </a:r>
             <a:r>
               <a:rPr lang="en-US" altLang="ko-KR" dirty="0"/>
@@ -3736,7 +3727,6 @@
               <a:rPr lang="en-US" altLang="ko-KR" dirty="0" smtClean="0"/>
               <a:t>Thesis contents</a:t>
             </a:r>
-            <a:endParaRPr lang="en-US" altLang="ko-KR" dirty="0" smtClean="0"/>
           </a:p>
         </p:txBody>
       </p:sp>
@@ -9601,15 +9591,7 @@
                   <a:srgbClr val="3333FF"/>
                 </a:solidFill>
               </a:rPr>
-              <a:t>1x2 splitter </a:t>
-            </a:r>
-            <a:r>
-              <a:rPr lang="en-US" altLang="ko-KR" b="1" dirty="0" smtClean="0">
-                <a:solidFill>
-                  <a:srgbClr val="3333FF"/>
-                </a:solidFill>
-              </a:rPr>
-              <a:t>TM</a:t>
+              <a:t>1x2 splitter TM</a:t>
             </a:r>
             <a:endParaRPr lang="ko-KR" altLang="en-US" b="1" dirty="0">
               <a:solidFill>
@@ -9726,11 +9708,7 @@
             </a:r>
             <a:r>
               <a:rPr lang="en-US" altLang="ko-KR" b="1" dirty="0" smtClean="0"/>
-              <a:t>~</a:t>
-            </a:r>
-            <a:r>
-              <a:rPr lang="en-US" altLang="ko-KR" b="1" dirty="0" smtClean="0"/>
-              <a:t>0.05</a:t>
+              <a:t>~0.05</a:t>
             </a:r>
             <a:endParaRPr lang="ko-KR" altLang="en-US" b="1" dirty="0"/>
           </a:p>
@@ -9760,15 +9738,7 @@
           <a:p>
             <a:r>
               <a:rPr lang="en-US" altLang="ko-KR" dirty="0" smtClean="0"/>
-              <a:t>Power uniformity = </a:t>
-            </a:r>
-            <a:r>
-              <a:rPr lang="en-US" altLang="ko-KR" dirty="0" smtClean="0"/>
-              <a:t>0.71 </a:t>
-            </a:r>
-            <a:r>
-              <a:rPr lang="en-US" altLang="ko-KR" dirty="0" smtClean="0"/>
-              <a:t>dB</a:t>
+              <a:t>Power uniformity = 0.71 dB</a:t>
             </a:r>
             <a:endParaRPr lang="ko-KR" altLang="en-US" baseline="-25000" dirty="0"/>
           </a:p>
@@ -9899,11 +9869,7 @@
             </a:r>
             <a:r>
               <a:rPr lang="en-US" altLang="ko-KR" b="1" dirty="0" smtClean="0"/>
-              <a:t>~</a:t>
-            </a:r>
-            <a:r>
-              <a:rPr lang="en-US" altLang="ko-KR" b="1" dirty="0" smtClean="0"/>
-              <a:t>0.43</a:t>
+              <a:t>~0.43</a:t>
             </a:r>
             <a:endParaRPr lang="ko-KR" altLang="en-US" b="1" dirty="0"/>
           </a:p>
@@ -11045,11 +11011,7 @@
             </a:r>
             <a:r>
               <a:rPr lang="en-US" altLang="ko-KR" b="1" dirty="0" smtClean="0"/>
-              <a:t>~</a:t>
-            </a:r>
-            <a:r>
-              <a:rPr lang="en-US" altLang="ko-KR" b="1" dirty="0" smtClean="0"/>
-              <a:t>0.05</a:t>
+              <a:t>~0.05</a:t>
             </a:r>
             <a:endParaRPr lang="ko-KR" altLang="en-US" b="1" dirty="0"/>
           </a:p>
@@ -11079,15 +11041,7 @@
           <a:p>
             <a:r>
               <a:rPr lang="en-US" altLang="ko-KR" dirty="0" smtClean="0"/>
-              <a:t>Power uniformity = </a:t>
-            </a:r>
-            <a:r>
-              <a:rPr lang="en-US" altLang="ko-KR" dirty="0" smtClean="0"/>
-              <a:t>0.71 </a:t>
-            </a:r>
-            <a:r>
-              <a:rPr lang="en-US" altLang="ko-KR" dirty="0" smtClean="0"/>
-              <a:t>dB</a:t>
+              <a:t>Power uniformity = 0.71 dB</a:t>
             </a:r>
             <a:endParaRPr lang="ko-KR" altLang="en-US" baseline="-25000" dirty="0"/>
           </a:p>
@@ -11178,11 +11132,7 @@
             </a:r>
             <a:r>
               <a:rPr lang="en-US" altLang="ko-KR" b="1" dirty="0" smtClean="0"/>
-              <a:t>~</a:t>
-            </a:r>
-            <a:r>
-              <a:rPr lang="en-US" altLang="ko-KR" b="1" dirty="0" smtClean="0"/>
-              <a:t>0.43</a:t>
+              <a:t>~0.43</a:t>
             </a:r>
             <a:endParaRPr lang="ko-KR" altLang="en-US" b="1" dirty="0"/>
           </a:p>
@@ -12910,8 +12860,8 @@
           </a:p>
         </p:txBody>
       </p:sp>
-      <mc:AlternateContent xmlns:mc="http://schemas.openxmlformats.org/markup-compatibility/2006">
-        <mc:Choice xmlns:a14="http://schemas.microsoft.com/office/drawing/2010/main" Requires="a14">
+      <mc:AlternateContent xmlns:mc="http://schemas.openxmlformats.org/markup-compatibility/2006" xmlns:a14="http://schemas.microsoft.com/office/drawing/2010/main">
+        <mc:Choice Requires="a14">
           <p:sp>
             <p:nvSpPr>
               <p:cNvPr id="9" name="TextBox 8"/>
@@ -13051,7 +13001,7 @@
             </p:txBody>
           </p:sp>
         </mc:Choice>
-        <mc:Fallback>
+        <mc:Fallback xmlns="">
           <p:sp>
             <p:nvSpPr>
               <p:cNvPr id="9" name="TextBox 8"/>
@@ -13159,8 +13109,8 @@
           </a:fontRef>
         </p:style>
       </p:cxnSp>
-      <mc:AlternateContent xmlns:mc="http://schemas.openxmlformats.org/markup-compatibility/2006">
-        <mc:Choice xmlns:a14="http://schemas.microsoft.com/office/drawing/2010/main" Requires="a14">
+      <mc:AlternateContent xmlns:mc="http://schemas.openxmlformats.org/markup-compatibility/2006" xmlns:a14="http://schemas.microsoft.com/office/drawing/2010/main">
+        <mc:Choice Requires="a14">
           <p:sp>
             <p:nvSpPr>
               <p:cNvPr id="12" name="TextBox 11"/>
@@ -13230,14 +13180,7 @@
                     <a:latin typeface="Arial" panose="020B0604020202020204" pitchFamily="34" charset="0"/>
                     <a:cs typeface="Arial" panose="020B0604020202020204" pitchFamily="34" charset="0"/>
                   </a:rPr>
-                  <a:t>f</a:t>
-                </a:r>
-                <a:r>
-                  <a:rPr lang="en-US" altLang="ko-KR" sz="1350" dirty="0">
-                    <a:latin typeface="Arial" panose="020B0604020202020204" pitchFamily="34" charset="0"/>
-                    <a:cs typeface="Arial" panose="020B0604020202020204" pitchFamily="34" charset="0"/>
-                  </a:rPr>
-                  <a:t>rom transmission </a:t>
+                  <a:t>from transmission </a:t>
                 </a:r>
                 <a14:m>
                   <m:oMath xmlns:m="http://schemas.openxmlformats.org/officeDocument/2006/math">
@@ -13276,7 +13219,7 @@
             </p:txBody>
           </p:sp>
         </mc:Choice>
-        <mc:Fallback>
+        <mc:Fallback xmlns="">
           <p:sp>
             <p:nvSpPr>
               <p:cNvPr id="12" name="TextBox 11"/>
@@ -13315,8 +13258,8 @@
           </p:sp>
         </mc:Fallback>
       </mc:AlternateContent>
-      <mc:AlternateContent xmlns:mc="http://schemas.openxmlformats.org/markup-compatibility/2006">
-        <mc:Choice xmlns:a14="http://schemas.microsoft.com/office/drawing/2010/main" Requires="a14">
+      <mc:AlternateContent xmlns:mc="http://schemas.openxmlformats.org/markup-compatibility/2006" xmlns:a14="http://schemas.microsoft.com/office/drawing/2010/main">
+        <mc:Choice Requires="a14">
           <p:sp>
             <p:nvSpPr>
               <p:cNvPr id="13" name="TextBox 12"/>
@@ -13413,7 +13356,7 @@
             </p:txBody>
           </p:sp>
         </mc:Choice>
-        <mc:Fallback>
+        <mc:Fallback xmlns="">
           <p:sp>
             <p:nvSpPr>
               <p:cNvPr id="13" name="TextBox 12"/>
@@ -13452,8 +13395,8 @@
           </p:sp>
         </mc:Fallback>
       </mc:AlternateContent>
-      <mc:AlternateContent xmlns:mc="http://schemas.openxmlformats.org/markup-compatibility/2006">
-        <mc:Choice xmlns:a14="http://schemas.microsoft.com/office/drawing/2010/main" Requires="a14">
+      <mc:AlternateContent xmlns:mc="http://schemas.openxmlformats.org/markup-compatibility/2006" xmlns:a14="http://schemas.microsoft.com/office/drawing/2010/main">
+        <mc:Choice Requires="a14">
           <p:sp>
             <p:nvSpPr>
               <p:cNvPr id="14" name="TextBox 13"/>
@@ -13579,7 +13522,7 @@
             </p:txBody>
           </p:sp>
         </mc:Choice>
-        <mc:Fallback>
+        <mc:Fallback xmlns="">
           <p:sp>
             <p:nvSpPr>
               <p:cNvPr id="14" name="TextBox 13"/>
@@ -13618,8 +13561,8 @@
           </p:sp>
         </mc:Fallback>
       </mc:AlternateContent>
-      <mc:AlternateContent xmlns:mc="http://schemas.openxmlformats.org/markup-compatibility/2006">
-        <mc:Choice xmlns:a14="http://schemas.microsoft.com/office/drawing/2010/main" Requires="a14">
+      <mc:AlternateContent xmlns:mc="http://schemas.openxmlformats.org/markup-compatibility/2006" xmlns:a14="http://schemas.microsoft.com/office/drawing/2010/main">
+        <mc:Choice Requires="a14">
           <p:sp>
             <p:nvSpPr>
               <p:cNvPr id="15" name="TextBox 14"/>
@@ -13854,7 +13797,7 @@
             </p:txBody>
           </p:sp>
         </mc:Choice>
-        <mc:Fallback>
+        <mc:Fallback xmlns="">
           <p:sp>
             <p:nvSpPr>
               <p:cNvPr id="15" name="TextBox 14"/>
@@ -13893,8 +13836,8 @@
           </p:sp>
         </mc:Fallback>
       </mc:AlternateContent>
-      <mc:AlternateContent xmlns:mc="http://schemas.openxmlformats.org/markup-compatibility/2006">
-        <mc:Choice xmlns:a14="http://schemas.microsoft.com/office/drawing/2010/main" Requires="a14">
+      <mc:AlternateContent xmlns:mc="http://schemas.openxmlformats.org/markup-compatibility/2006" xmlns:a14="http://schemas.microsoft.com/office/drawing/2010/main">
+        <mc:Choice Requires="a14">
           <p:sp>
             <p:nvSpPr>
               <p:cNvPr id="17" name="TextBox 16"/>
@@ -14044,7 +13987,7 @@
             </p:txBody>
           </p:sp>
         </mc:Choice>
-        <mc:Fallback>
+        <mc:Fallback xmlns="">
           <p:sp>
             <p:nvSpPr>
               <p:cNvPr id="17" name="TextBox 16"/>
@@ -14083,8 +14026,8 @@
           </p:sp>
         </mc:Fallback>
       </mc:AlternateContent>
-      <mc:AlternateContent xmlns:mc="http://schemas.openxmlformats.org/markup-compatibility/2006">
-        <mc:Choice xmlns:a14="http://schemas.microsoft.com/office/drawing/2010/main" Requires="a14">
+      <mc:AlternateContent xmlns:mc="http://schemas.openxmlformats.org/markup-compatibility/2006" xmlns:a14="http://schemas.microsoft.com/office/drawing/2010/main">
+        <mc:Choice Requires="a14">
           <p:sp>
             <p:nvSpPr>
               <p:cNvPr id="18" name="TextBox 17"/>
@@ -14368,7 +14311,7 @@
             </p:txBody>
           </p:sp>
         </mc:Choice>
-        <mc:Fallback>
+        <mc:Fallback xmlns="">
           <p:sp>
             <p:nvSpPr>
               <p:cNvPr id="18" name="TextBox 17"/>
@@ -14713,8 +14656,8 @@
             </a:p>
           </p:txBody>
         </p:sp>
-        <mc:AlternateContent xmlns:mc="http://schemas.openxmlformats.org/markup-compatibility/2006">
-          <mc:Choice xmlns:a14="http://schemas.microsoft.com/office/drawing/2010/main" Requires="a14">
+        <mc:AlternateContent xmlns:mc="http://schemas.openxmlformats.org/markup-compatibility/2006" xmlns:a14="http://schemas.microsoft.com/office/drawing/2010/main">
+          <mc:Choice Requires="a14">
             <p:sp>
               <p:nvSpPr>
                 <p:cNvPr id="38" name="직사각형 37"/>
@@ -14782,7 +14725,7 @@
               </p:txBody>
             </p:sp>
           </mc:Choice>
-          <mc:Fallback>
+          <mc:Fallback xmlns="">
             <p:sp>
               <p:nvSpPr>
                 <p:cNvPr id="38" name="직사각형 37"/>
@@ -14821,8 +14764,8 @@
             </p:sp>
           </mc:Fallback>
         </mc:AlternateContent>
-        <mc:AlternateContent xmlns:mc="http://schemas.openxmlformats.org/markup-compatibility/2006">
-          <mc:Choice xmlns:a14="http://schemas.microsoft.com/office/drawing/2010/main" Requires="a14">
+        <mc:AlternateContent xmlns:mc="http://schemas.openxmlformats.org/markup-compatibility/2006" xmlns:a14="http://schemas.microsoft.com/office/drawing/2010/main">
+          <mc:Choice Requires="a14">
             <p:sp>
               <p:nvSpPr>
                 <p:cNvPr id="39" name="직사각형 38"/>
@@ -14884,7 +14827,7 @@
               </p:txBody>
             </p:sp>
           </mc:Choice>
-          <mc:Fallback>
+          <mc:Fallback xmlns="">
             <p:sp>
               <p:nvSpPr>
                 <p:cNvPr id="39" name="직사각형 38"/>
@@ -14923,8 +14866,8 @@
             </p:sp>
           </mc:Fallback>
         </mc:AlternateContent>
-        <mc:AlternateContent xmlns:mc="http://schemas.openxmlformats.org/markup-compatibility/2006">
-          <mc:Choice xmlns:a14="http://schemas.microsoft.com/office/drawing/2010/main" Requires="a14">
+        <mc:AlternateContent xmlns:mc="http://schemas.openxmlformats.org/markup-compatibility/2006" xmlns:a14="http://schemas.microsoft.com/office/drawing/2010/main">
+          <mc:Choice Requires="a14">
             <p:sp>
               <p:nvSpPr>
                 <p:cNvPr id="40" name="직사각형 39"/>
@@ -14994,7 +14937,7 @@
               </p:txBody>
             </p:sp>
           </mc:Choice>
-          <mc:Fallback>
+          <mc:Fallback xmlns="">
             <p:sp>
               <p:nvSpPr>
                 <p:cNvPr id="40" name="직사각형 39"/>
